--- a/Apresentação de microserviços com nestjs.pptx
+++ b/Apresentação de microserviços com nestjs.pptx
@@ -818,7 +818,7 @@
   <p:cSld>
     <p:spTree>
       <p:nvGrpSpPr>
-        <p:cNvPr id="197" name="Shape 197"/>
+        <p:cNvPr id="198" name="Shape 198"/>
         <p:cNvGrpSpPr/>
         <p:nvPr/>
       </p:nvGrpSpPr>
@@ -832,7 +832,7 @@
       </p:grpSpPr>
       <p:sp>
         <p:nvSpPr>
-          <p:cNvPr id="198" name="Google Shape;198;ged0cb0763b_0_59:notes"/>
+          <p:cNvPr id="199" name="Google Shape;199;ged0cb0763b_0_59:notes"/>
           <p:cNvSpPr/>
           <p:nvPr>
             <p:ph idx="2" type="sldImg"/>
@@ -867,7 +867,7 @@
       </p:sp>
       <p:sp>
         <p:nvSpPr>
-          <p:cNvPr id="199" name="Google Shape;199;ged0cb0763b_0_59:notes"/>
+          <p:cNvPr id="200" name="Google Shape;200;ged0cb0763b_0_59:notes"/>
           <p:cNvSpPr txBox="1"/>
           <p:nvPr>
             <p:ph idx="1" type="body"/>
@@ -917,7 +917,7 @@
   <p:cSld>
     <p:spTree>
       <p:nvGrpSpPr>
-        <p:cNvPr id="204" name="Shape 204"/>
+        <p:cNvPr id="205" name="Shape 205"/>
         <p:cNvGrpSpPr/>
         <p:nvPr/>
       </p:nvGrpSpPr>
@@ -931,7 +931,7 @@
       </p:grpSpPr>
       <p:sp>
         <p:nvSpPr>
-          <p:cNvPr id="205" name="Google Shape;205;gef1d0bd74d_0_22:notes"/>
+          <p:cNvPr id="206" name="Google Shape;206;gef1d0bd74d_0_22:notes"/>
           <p:cNvSpPr/>
           <p:nvPr>
             <p:ph idx="2" type="sldImg"/>
@@ -966,7 +966,7 @@
       </p:sp>
       <p:sp>
         <p:nvSpPr>
-          <p:cNvPr id="206" name="Google Shape;206;gef1d0bd74d_0_22:notes"/>
+          <p:cNvPr id="207" name="Google Shape;207;gef1d0bd74d_0_22:notes"/>
           <p:cNvSpPr txBox="1"/>
           <p:nvPr>
             <p:ph idx="1" type="body"/>
@@ -1016,7 +1016,7 @@
   <p:cSld>
     <p:spTree>
       <p:nvGrpSpPr>
-        <p:cNvPr id="212" name="Shape 212"/>
+        <p:cNvPr id="213" name="Shape 213"/>
         <p:cNvGrpSpPr/>
         <p:nvPr/>
       </p:nvGrpSpPr>
@@ -1030,7 +1030,7 @@
       </p:grpSpPr>
       <p:sp>
         <p:nvSpPr>
-          <p:cNvPr id="213" name="Google Shape;213;ged0cb0763b_0_91:notes"/>
+          <p:cNvPr id="214" name="Google Shape;214;ged0cb0763b_0_91:notes"/>
           <p:cNvSpPr/>
           <p:nvPr>
             <p:ph idx="2" type="sldImg"/>
@@ -1065,7 +1065,7 @@
       </p:sp>
       <p:sp>
         <p:nvSpPr>
-          <p:cNvPr id="214" name="Google Shape;214;ged0cb0763b_0_91:notes"/>
+          <p:cNvPr id="215" name="Google Shape;215;ged0cb0763b_0_91:notes"/>
           <p:cNvSpPr txBox="1"/>
           <p:nvPr>
             <p:ph idx="1" type="body"/>
@@ -1115,7 +1115,7 @@
   <p:cSld>
     <p:spTree>
       <p:nvGrpSpPr>
-        <p:cNvPr id="218" name="Shape 218"/>
+        <p:cNvPr id="219" name="Shape 219"/>
         <p:cNvGrpSpPr/>
         <p:nvPr/>
       </p:nvGrpSpPr>
@@ -1129,7 +1129,7 @@
       </p:grpSpPr>
       <p:sp>
         <p:nvSpPr>
-          <p:cNvPr id="219" name="Google Shape;219;ged0cb0763b_0_72:notes"/>
+          <p:cNvPr id="220" name="Google Shape;220;ged0cb0763b_0_72:notes"/>
           <p:cNvSpPr/>
           <p:nvPr>
             <p:ph idx="2" type="sldImg"/>
@@ -1164,7 +1164,7 @@
       </p:sp>
       <p:sp>
         <p:nvSpPr>
-          <p:cNvPr id="220" name="Google Shape;220;ged0cb0763b_0_72:notes"/>
+          <p:cNvPr id="221" name="Google Shape;221;ged0cb0763b_0_72:notes"/>
           <p:cNvSpPr txBox="1"/>
           <p:nvPr>
             <p:ph idx="1" type="body"/>
@@ -1313,7 +1313,7 @@
   <p:cSld>
     <p:spTree>
       <p:nvGrpSpPr>
-        <p:cNvPr id="138" name="Shape 138"/>
+        <p:cNvPr id="139" name="Shape 139"/>
         <p:cNvGrpSpPr/>
         <p:nvPr/>
       </p:nvGrpSpPr>
@@ -1327,7 +1327,7 @@
       </p:grpSpPr>
       <p:sp>
         <p:nvSpPr>
-          <p:cNvPr id="139" name="Google Shape;139;gef1d0bd74d_0_7:notes"/>
+          <p:cNvPr id="140" name="Google Shape;140;gef1d0bd74d_0_7:notes"/>
           <p:cNvSpPr/>
           <p:nvPr>
             <p:ph idx="2" type="sldImg"/>
@@ -1362,7 +1362,7 @@
       </p:sp>
       <p:sp>
         <p:nvSpPr>
-          <p:cNvPr id="140" name="Google Shape;140;gef1d0bd74d_0_7:notes"/>
+          <p:cNvPr id="141" name="Google Shape;141;gef1d0bd74d_0_7:notes"/>
           <p:cNvSpPr txBox="1"/>
           <p:nvPr>
             <p:ph idx="1" type="body"/>
@@ -1412,7 +1412,7 @@
   <p:cSld>
     <p:spTree>
       <p:nvGrpSpPr>
-        <p:cNvPr id="152" name="Shape 152"/>
+        <p:cNvPr id="153" name="Shape 153"/>
         <p:cNvGrpSpPr/>
         <p:nvPr/>
       </p:nvGrpSpPr>
@@ -1426,7 +1426,7 @@
       </p:grpSpPr>
       <p:sp>
         <p:nvSpPr>
-          <p:cNvPr id="153" name="Google Shape;153;gef1d0bd74d_0_12:notes"/>
+          <p:cNvPr id="154" name="Google Shape;154;gef1d0bd74d_0_12:notes"/>
           <p:cNvSpPr/>
           <p:nvPr>
             <p:ph idx="2" type="sldImg"/>
@@ -1461,7 +1461,7 @@
       </p:sp>
       <p:sp>
         <p:nvSpPr>
-          <p:cNvPr id="154" name="Google Shape;154;gef1d0bd74d_0_12:notes"/>
+          <p:cNvPr id="155" name="Google Shape;155;gef1d0bd74d_0_12:notes"/>
           <p:cNvSpPr txBox="1"/>
           <p:nvPr>
             <p:ph idx="1" type="body"/>
@@ -1511,7 +1511,7 @@
   <p:cSld>
     <p:spTree>
       <p:nvGrpSpPr>
-        <p:cNvPr id="159" name="Shape 159"/>
+        <p:cNvPr id="160" name="Shape 160"/>
         <p:cNvGrpSpPr/>
         <p:nvPr/>
       </p:nvGrpSpPr>
@@ -1525,7 +1525,7 @@
       </p:grpSpPr>
       <p:sp>
         <p:nvSpPr>
-          <p:cNvPr id="160" name="Google Shape;160;ged0cb0763b_0_0:notes"/>
+          <p:cNvPr id="161" name="Google Shape;161;ged0cb0763b_0_0:notes"/>
           <p:cNvSpPr/>
           <p:nvPr>
             <p:ph idx="2" type="sldImg"/>
@@ -1560,7 +1560,7 @@
       </p:sp>
       <p:sp>
         <p:nvSpPr>
-          <p:cNvPr id="161" name="Google Shape;161;ged0cb0763b_0_0:notes"/>
+          <p:cNvPr id="162" name="Google Shape;162;ged0cb0763b_0_0:notes"/>
           <p:cNvSpPr txBox="1"/>
           <p:nvPr>
             <p:ph idx="1" type="body"/>
@@ -1610,7 +1610,7 @@
   <p:cSld>
     <p:spTree>
       <p:nvGrpSpPr>
-        <p:cNvPr id="165" name="Shape 165"/>
+        <p:cNvPr id="166" name="Shape 166"/>
         <p:cNvGrpSpPr/>
         <p:nvPr/>
       </p:nvGrpSpPr>
@@ -1624,7 +1624,7 @@
       </p:grpSpPr>
       <p:sp>
         <p:nvSpPr>
-          <p:cNvPr id="166" name="Google Shape;166;ged0cb0763b_0_14:notes"/>
+          <p:cNvPr id="167" name="Google Shape;167;ged0cb0763b_0_14:notes"/>
           <p:cNvSpPr/>
           <p:nvPr>
             <p:ph idx="2" type="sldImg"/>
@@ -1659,7 +1659,7 @@
       </p:sp>
       <p:sp>
         <p:nvSpPr>
-          <p:cNvPr id="167" name="Google Shape;167;ged0cb0763b_0_14:notes"/>
+          <p:cNvPr id="168" name="Google Shape;168;ged0cb0763b_0_14:notes"/>
           <p:cNvSpPr txBox="1"/>
           <p:nvPr>
             <p:ph idx="1" type="body"/>
@@ -1709,7 +1709,7 @@
   <p:cSld>
     <p:spTree>
       <p:nvGrpSpPr>
-        <p:cNvPr id="176" name="Shape 176"/>
+        <p:cNvPr id="177" name="Shape 177"/>
         <p:cNvGrpSpPr/>
         <p:nvPr/>
       </p:nvGrpSpPr>
@@ -1723,7 +1723,7 @@
       </p:grpSpPr>
       <p:sp>
         <p:nvSpPr>
-          <p:cNvPr id="177" name="Google Shape;177;ged0cb0763b_0_78:notes"/>
+          <p:cNvPr id="178" name="Google Shape;178;ged0cb0763b_0_78:notes"/>
           <p:cNvSpPr/>
           <p:nvPr>
             <p:ph idx="2" type="sldImg"/>
@@ -1758,7 +1758,7 @@
       </p:sp>
       <p:sp>
         <p:nvSpPr>
-          <p:cNvPr id="178" name="Google Shape;178;ged0cb0763b_0_78:notes"/>
+          <p:cNvPr id="179" name="Google Shape;179;ged0cb0763b_0_78:notes"/>
           <p:cNvSpPr txBox="1"/>
           <p:nvPr>
             <p:ph idx="1" type="body"/>
@@ -1808,7 +1808,7 @@
   <p:cSld>
     <p:spTree>
       <p:nvGrpSpPr>
-        <p:cNvPr id="183" name="Shape 183"/>
+        <p:cNvPr id="184" name="Shape 184"/>
         <p:cNvGrpSpPr/>
         <p:nvPr/>
       </p:nvGrpSpPr>
@@ -1822,7 +1822,7 @@
       </p:grpSpPr>
       <p:sp>
         <p:nvSpPr>
-          <p:cNvPr id="184" name="Google Shape;184;ged0cb0763b_0_54:notes"/>
+          <p:cNvPr id="185" name="Google Shape;185;ged0cb0763b_0_54:notes"/>
           <p:cNvSpPr/>
           <p:nvPr>
             <p:ph idx="2" type="sldImg"/>
@@ -1857,7 +1857,7 @@
       </p:sp>
       <p:sp>
         <p:nvSpPr>
-          <p:cNvPr id="185" name="Google Shape;185;ged0cb0763b_0_54:notes"/>
+          <p:cNvPr id="186" name="Google Shape;186;ged0cb0763b_0_54:notes"/>
           <p:cNvSpPr txBox="1"/>
           <p:nvPr>
             <p:ph idx="1" type="body"/>
@@ -1907,7 +1907,7 @@
   <p:cSld>
     <p:spTree>
       <p:nvGrpSpPr>
-        <p:cNvPr id="189" name="Shape 189"/>
+        <p:cNvPr id="190" name="Shape 190"/>
         <p:cNvGrpSpPr/>
         <p:nvPr/>
       </p:nvGrpSpPr>
@@ -1921,7 +1921,7 @@
       </p:grpSpPr>
       <p:sp>
         <p:nvSpPr>
-          <p:cNvPr id="190" name="Google Shape;190;ged0cb0763b_0_38:notes"/>
+          <p:cNvPr id="191" name="Google Shape;191;ged0cb0763b_0_38:notes"/>
           <p:cNvSpPr/>
           <p:nvPr>
             <p:ph idx="2" type="sldImg"/>
@@ -1956,7 +1956,7 @@
       </p:sp>
       <p:sp>
         <p:nvSpPr>
-          <p:cNvPr id="191" name="Google Shape;191;ged0cb0763b_0_38:notes"/>
+          <p:cNvPr id="192" name="Google Shape;192;ged0cb0763b_0_38:notes"/>
           <p:cNvSpPr txBox="1"/>
           <p:nvPr>
             <p:ph idx="1" type="body"/>
@@ -10173,7 +10173,7 @@
   <p:cSld>
     <p:spTree>
       <p:nvGrpSpPr>
-        <p:cNvPr id="200" name="Shape 200"/>
+        <p:cNvPr id="201" name="Shape 201"/>
         <p:cNvGrpSpPr/>
         <p:nvPr/>
       </p:nvGrpSpPr>
@@ -10187,7 +10187,7 @@
       </p:grpSpPr>
       <p:sp>
         <p:nvSpPr>
-          <p:cNvPr id="201" name="Google Shape;201;p22"/>
+          <p:cNvPr id="202" name="Google Shape;202;p22"/>
           <p:cNvSpPr txBox="1"/>
           <p:nvPr>
             <p:ph type="title"/>
@@ -10227,7 +10227,7 @@
       </p:sp>
       <p:sp>
         <p:nvSpPr>
-          <p:cNvPr id="202" name="Google Shape;202;p22"/>
+          <p:cNvPr id="203" name="Google Shape;203;p22"/>
           <p:cNvSpPr txBox="1"/>
           <p:nvPr>
             <p:ph idx="1" type="body"/>
@@ -10365,7 +10365,7 @@
       </p:sp>
       <p:pic>
         <p:nvPicPr>
-          <p:cNvPr id="203" name="Google Shape;203;p22"/>
+          <p:cNvPr id="204" name="Google Shape;204;p22"/>
           <p:cNvPicPr preferRelativeResize="0"/>
           <p:nvPr/>
         </p:nvPicPr>
@@ -10404,7 +10404,7 @@
   <p:cSld>
     <p:spTree>
       <p:nvGrpSpPr>
-        <p:cNvPr id="207" name="Shape 207"/>
+        <p:cNvPr id="208" name="Shape 208"/>
         <p:cNvGrpSpPr/>
         <p:nvPr/>
       </p:nvGrpSpPr>
@@ -10418,7 +10418,7 @@
       </p:grpSpPr>
       <p:sp>
         <p:nvSpPr>
-          <p:cNvPr id="208" name="Google Shape;208;p23"/>
+          <p:cNvPr id="209" name="Google Shape;209;p23"/>
           <p:cNvSpPr txBox="1"/>
           <p:nvPr>
             <p:ph type="title"/>
@@ -10473,7 +10473,7 @@
       </p:sp>
       <p:sp>
         <p:nvSpPr>
-          <p:cNvPr id="209" name="Google Shape;209;p23"/>
+          <p:cNvPr id="210" name="Google Shape;210;p23"/>
           <p:cNvSpPr txBox="1"/>
           <p:nvPr>
             <p:ph idx="1" type="body"/>
@@ -10556,7 +10556,7 @@
       </p:sp>
       <p:pic>
         <p:nvPicPr>
-          <p:cNvPr id="210" name="Google Shape;210;p23"/>
+          <p:cNvPr id="211" name="Google Shape;211;p23"/>
           <p:cNvPicPr preferRelativeResize="0"/>
           <p:nvPr/>
         </p:nvPicPr>
@@ -10584,7 +10584,7 @@
       </p:pic>
       <p:pic>
         <p:nvPicPr>
-          <p:cNvPr id="211" name="Google Shape;211;p23"/>
+          <p:cNvPr id="212" name="Google Shape;212;p23"/>
           <p:cNvPicPr preferRelativeResize="0"/>
           <p:nvPr/>
         </p:nvPicPr>
@@ -10623,7 +10623,7 @@
   <p:cSld>
     <p:spTree>
       <p:nvGrpSpPr>
-        <p:cNvPr id="215" name="Shape 215"/>
+        <p:cNvPr id="216" name="Shape 216"/>
         <p:cNvGrpSpPr/>
         <p:nvPr/>
       </p:nvGrpSpPr>
@@ -10637,7 +10637,7 @@
       </p:grpSpPr>
       <p:sp>
         <p:nvSpPr>
-          <p:cNvPr id="216" name="Google Shape;216;p24"/>
+          <p:cNvPr id="217" name="Google Shape;217;p24"/>
           <p:cNvSpPr txBox="1"/>
           <p:nvPr>
             <p:ph type="title"/>
@@ -10681,7 +10681,7 @@
       </p:sp>
       <p:sp>
         <p:nvSpPr>
-          <p:cNvPr id="217" name="Google Shape;217;p24"/>
+          <p:cNvPr id="218" name="Google Shape;218;p24"/>
           <p:cNvSpPr txBox="1"/>
           <p:nvPr>
             <p:ph idx="1" type="body"/>
@@ -10885,7 +10885,7 @@
   <p:cSld>
     <p:spTree>
       <p:nvGrpSpPr>
-        <p:cNvPr id="221" name="Shape 221"/>
+        <p:cNvPr id="222" name="Shape 222"/>
         <p:cNvGrpSpPr/>
         <p:nvPr/>
       </p:nvGrpSpPr>
@@ -10899,7 +10899,7 @@
       </p:grpSpPr>
       <p:sp>
         <p:nvSpPr>
-          <p:cNvPr id="222" name="Google Shape;222;p25"/>
+          <p:cNvPr id="223" name="Google Shape;223;p25"/>
           <p:cNvSpPr txBox="1"/>
           <p:nvPr>
             <p:ph type="title"/>
@@ -10973,7 +10973,7 @@
       </p:sp>
       <p:pic>
         <p:nvPicPr>
-          <p:cNvPr id="223" name="Google Shape;223;p25"/>
+          <p:cNvPr id="224" name="Google Shape;224;p25"/>
           <p:cNvPicPr preferRelativeResize="0"/>
           <p:nvPr/>
         </p:nvPicPr>
@@ -11098,7 +11098,7 @@
             </a:pPr>
             <a:r>
               <a:rPr lang="pt-BR"/>
-              <a:t>Nome: Luciano Junior - Desenvolvedor</a:t>
+              <a:t>Nome: Luciano Junior - Desenvolvedor Backend Sênior</a:t>
             </a:r>
             <a:br>
               <a:rPr lang="pt-BR"/>
@@ -11140,7 +11140,7 @@
             </a:pPr>
             <a:r>
               <a:rPr lang="pt-BR"/>
-              <a:t>Work: Grupo boticário</a:t>
+              <a:t>Work: Grupo boticário </a:t>
             </a:r>
             <a:endParaRPr/>
           </a:p>
@@ -11157,7 +11157,7 @@
             </a:pPr>
             <a:r>
               <a:rPr lang="pt-BR"/>
-              <a:t>Não sei nada, sou um eterno aprendiz </a:t>
+              <a:t>Sou um eterno aprendiz, vamos aprender juntos ok?</a:t>
             </a:r>
             <a:endParaRPr/>
           </a:p>
@@ -11225,6 +11225,55 @@
           </a:effectLst>
         </p:spPr>
       </p:pic>
+      <p:sp>
+        <p:nvSpPr>
+          <p:cNvPr id="138" name="Google Shape;138;p14"/>
+          <p:cNvSpPr/>
+          <p:nvPr/>
+        </p:nvSpPr>
+        <p:spPr>
+          <a:xfrm>
+            <a:off x="2452150" y="3269925"/>
+            <a:ext cx="247800" cy="206400"/>
+          </a:xfrm>
+          <a:prstGeom prst="heart">
+            <a:avLst/>
+          </a:prstGeom>
+          <a:solidFill>
+            <a:srgbClr val="93C47D"/>
+          </a:solidFill>
+          <a:ln cap="flat" cmpd="sng" w="9525">
+            <a:solidFill>
+              <a:srgbClr val="6AA84F"/>
+            </a:solidFill>
+            <a:prstDash val="solid"/>
+            <a:round/>
+            <a:headEnd len="sm" w="sm" type="none"/>
+            <a:tailEnd len="sm" w="sm" type="none"/>
+          </a:ln>
+        </p:spPr>
+        <p:txBody>
+          <a:bodyPr anchorCtr="0" anchor="ctr" bIns="91425" lIns="91425" spcFirstLastPara="1" rIns="91425" wrap="square" tIns="91425">
+            <a:noAutofit/>
+          </a:bodyPr>
+          <a:lstStyle/>
+          <a:p>
+            <a:pPr indent="0" lvl="0" marL="0" rtl="0" algn="l">
+              <a:spcBef>
+                <a:spcPts val="0"/>
+              </a:spcBef>
+              <a:spcAft>
+                <a:spcPts val="0"/>
+              </a:spcAft>
+              <a:buNone/>
+            </a:pPr>
+            <a:r>
+              <a:t/>
+            </a:r>
+            <a:endParaRPr/>
+          </a:p>
+        </p:txBody>
+      </p:sp>
     </p:spTree>
   </p:cSld>
   <p:clrMapOvr>
@@ -11238,7 +11287,7 @@
   <p:cSld>
     <p:spTree>
       <p:nvGrpSpPr>
-        <p:cNvPr id="141" name="Shape 141"/>
+        <p:cNvPr id="142" name="Shape 142"/>
         <p:cNvGrpSpPr/>
         <p:nvPr/>
       </p:nvGrpSpPr>
@@ -11252,7 +11301,7 @@
       </p:grpSpPr>
       <p:sp>
         <p:nvSpPr>
-          <p:cNvPr id="142" name="Google Shape;142;p15"/>
+          <p:cNvPr id="143" name="Google Shape;143;p15"/>
           <p:cNvSpPr txBox="1"/>
           <p:nvPr>
             <p:ph type="title"/>
@@ -11292,7 +11341,7 @@
       </p:sp>
       <p:sp>
         <p:nvSpPr>
-          <p:cNvPr id="143" name="Google Shape;143;p15"/>
+          <p:cNvPr id="144" name="Google Shape;144;p15"/>
           <p:cNvSpPr txBox="1"/>
           <p:nvPr>
             <p:ph idx="1" type="body"/>
@@ -11469,7 +11518,7 @@
       </p:sp>
       <p:pic>
         <p:nvPicPr>
-          <p:cNvPr id="144" name="Google Shape;144;p15"/>
+          <p:cNvPr id="145" name="Google Shape;145;p15"/>
           <p:cNvPicPr preferRelativeResize="0"/>
           <p:nvPr/>
         </p:nvPicPr>
@@ -11485,34 +11534,6 @@
           <a:xfrm>
             <a:off x="7162400" y="1857050"/>
             <a:ext cx="1707350" cy="1045750"/>
-          </a:xfrm>
-          <a:prstGeom prst="rect">
-            <a:avLst/>
-          </a:prstGeom>
-          <a:noFill/>
-          <a:ln>
-            <a:noFill/>
-          </a:ln>
-        </p:spPr>
-      </p:pic>
-      <p:pic>
-        <p:nvPicPr>
-          <p:cNvPr id="145" name="Google Shape;145;p15"/>
-          <p:cNvPicPr preferRelativeResize="0"/>
-          <p:nvPr/>
-        </p:nvPicPr>
-        <p:blipFill>
-          <a:blip r:embed="rId4">
-            <a:alphaModFix/>
-          </a:blip>
-          <a:stretch>
-            <a:fillRect/>
-          </a:stretch>
-        </p:blipFill>
-        <p:spPr>
-          <a:xfrm>
-            <a:off x="6943376" y="3756761"/>
-            <a:ext cx="1854724" cy="519311"/>
           </a:xfrm>
           <a:prstGeom prst="rect">
             <a:avLst/>
@@ -11530,7 +11551,7 @@
           <p:nvPr/>
         </p:nvPicPr>
         <p:blipFill>
-          <a:blip r:embed="rId5">
+          <a:blip r:embed="rId4">
             <a:alphaModFix/>
           </a:blip>
           <a:stretch>
@@ -11539,8 +11560,8 @@
         </p:blipFill>
         <p:spPr>
           <a:xfrm>
-            <a:off x="5159450" y="2124567"/>
-            <a:ext cx="2308974" cy="1154475"/>
+            <a:off x="6943376" y="3756761"/>
+            <a:ext cx="1854724" cy="519311"/>
           </a:xfrm>
           <a:prstGeom prst="rect">
             <a:avLst/>
@@ -11558,7 +11579,7 @@
           <p:nvPr/>
         </p:nvPicPr>
         <p:blipFill>
-          <a:blip r:embed="rId6">
+          <a:blip r:embed="rId5">
             <a:alphaModFix/>
           </a:blip>
           <a:stretch>
@@ -11567,8 +11588,8 @@
         </p:blipFill>
         <p:spPr>
           <a:xfrm>
-            <a:off x="5012725" y="3985450"/>
-            <a:ext cx="1898801" cy="813775"/>
+            <a:off x="5159450" y="2124567"/>
+            <a:ext cx="2308974" cy="1154475"/>
           </a:xfrm>
           <a:prstGeom prst="rect">
             <a:avLst/>
@@ -11586,7 +11607,7 @@
           <p:nvPr/>
         </p:nvPicPr>
         <p:blipFill>
-          <a:blip r:embed="rId7">
+          <a:blip r:embed="rId6">
             <a:alphaModFix/>
           </a:blip>
           <a:stretch>
@@ -11595,8 +11616,8 @@
         </p:blipFill>
         <p:spPr>
           <a:xfrm>
-            <a:off x="4526966" y="3279050"/>
-            <a:ext cx="2057675" cy="766300"/>
+            <a:off x="5012725" y="3985450"/>
+            <a:ext cx="1898801" cy="813775"/>
           </a:xfrm>
           <a:prstGeom prst="rect">
             <a:avLst/>
@@ -11614,7 +11635,7 @@
           <p:nvPr/>
         </p:nvPicPr>
         <p:blipFill>
-          <a:blip r:embed="rId8">
+          <a:blip r:embed="rId7">
             <a:alphaModFix/>
           </a:blip>
           <a:stretch>
@@ -11623,8 +11644,8 @@
         </p:blipFill>
         <p:spPr>
           <a:xfrm>
-            <a:off x="5807200" y="1288149"/>
-            <a:ext cx="1854725" cy="902300"/>
+            <a:off x="4526966" y="3279050"/>
+            <a:ext cx="2057675" cy="766300"/>
           </a:xfrm>
           <a:prstGeom prst="rect">
             <a:avLst/>
@@ -11642,7 +11663,7 @@
           <p:nvPr/>
         </p:nvPicPr>
         <p:blipFill>
-          <a:blip r:embed="rId9">
+          <a:blip r:embed="rId8">
             <a:alphaModFix/>
           </a:blip>
           <a:stretch>
@@ -11651,8 +11672,8 @@
         </p:blipFill>
         <p:spPr>
           <a:xfrm>
-            <a:off x="3991700" y="1516795"/>
-            <a:ext cx="1815497" cy="954600"/>
+            <a:off x="5807200" y="1288149"/>
+            <a:ext cx="1854725" cy="902300"/>
           </a:xfrm>
           <a:prstGeom prst="rect">
             <a:avLst/>
@@ -11666,6 +11687,34 @@
       <p:pic>
         <p:nvPicPr>
           <p:cNvPr id="151" name="Google Shape;151;p15"/>
+          <p:cNvPicPr preferRelativeResize="0"/>
+          <p:nvPr/>
+        </p:nvPicPr>
+        <p:blipFill>
+          <a:blip r:embed="rId9">
+            <a:alphaModFix/>
+          </a:blip>
+          <a:stretch>
+            <a:fillRect/>
+          </a:stretch>
+        </p:blipFill>
+        <p:spPr>
+          <a:xfrm>
+            <a:off x="3991700" y="1516795"/>
+            <a:ext cx="1815497" cy="954600"/>
+          </a:xfrm>
+          <a:prstGeom prst="rect">
+            <a:avLst/>
+          </a:prstGeom>
+          <a:noFill/>
+          <a:ln>
+            <a:noFill/>
+          </a:ln>
+        </p:spPr>
+      </p:pic>
+      <p:pic>
+        <p:nvPicPr>
+          <p:cNvPr id="152" name="Google Shape;152;p15"/>
           <p:cNvPicPr preferRelativeResize="0"/>
           <p:nvPr/>
         </p:nvPicPr>
@@ -11704,7 +11753,7 @@
   <p:cSld>
     <p:spTree>
       <p:nvGrpSpPr>
-        <p:cNvPr id="155" name="Shape 155"/>
+        <p:cNvPr id="156" name="Shape 156"/>
         <p:cNvGrpSpPr/>
         <p:nvPr/>
       </p:nvGrpSpPr>
@@ -11718,7 +11767,7 @@
       </p:grpSpPr>
       <p:sp>
         <p:nvSpPr>
-          <p:cNvPr id="156" name="Google Shape;156;p16"/>
+          <p:cNvPr id="157" name="Google Shape;157;p16"/>
           <p:cNvSpPr txBox="1"/>
           <p:nvPr>
             <p:ph type="title"/>
@@ -11758,7 +11807,7 @@
       </p:sp>
       <p:pic>
         <p:nvPicPr>
-          <p:cNvPr id="157" name="Google Shape;157;p16"/>
+          <p:cNvPr id="158" name="Google Shape;158;p16"/>
           <p:cNvPicPr preferRelativeResize="0"/>
           <p:nvPr/>
         </p:nvPicPr>
@@ -11786,7 +11835,7 @@
       </p:pic>
       <p:pic>
         <p:nvPicPr>
-          <p:cNvPr id="158" name="Google Shape;158;p16"/>
+          <p:cNvPr id="159" name="Google Shape;159;p16"/>
           <p:cNvPicPr preferRelativeResize="0"/>
           <p:nvPr/>
         </p:nvPicPr>
@@ -11824,7 +11873,7 @@
   <p:cSld>
     <p:spTree>
       <p:nvGrpSpPr>
-        <p:cNvPr id="162" name="Shape 162"/>
+        <p:cNvPr id="163" name="Shape 163"/>
         <p:cNvGrpSpPr/>
         <p:nvPr/>
       </p:nvGrpSpPr>
@@ -11838,7 +11887,7 @@
       </p:grpSpPr>
       <p:sp>
         <p:nvSpPr>
-          <p:cNvPr id="163" name="Google Shape;163;p17"/>
+          <p:cNvPr id="164" name="Google Shape;164;p17"/>
           <p:cNvSpPr txBox="1"/>
           <p:nvPr>
             <p:ph type="title"/>
@@ -11878,7 +11927,7 @@
       </p:sp>
       <p:sp>
         <p:nvSpPr>
-          <p:cNvPr id="164" name="Google Shape;164;p17"/>
+          <p:cNvPr id="165" name="Google Shape;165;p17"/>
           <p:cNvSpPr txBox="1"/>
           <p:nvPr>
             <p:ph idx="1" type="body"/>
@@ -12310,7 +12359,7 @@
   <p:cSld>
     <p:spTree>
       <p:nvGrpSpPr>
-        <p:cNvPr id="168" name="Shape 168"/>
+        <p:cNvPr id="169" name="Shape 169"/>
         <p:cNvGrpSpPr/>
         <p:nvPr/>
       </p:nvGrpSpPr>
@@ -12324,7 +12373,7 @@
       </p:grpSpPr>
       <p:sp>
         <p:nvSpPr>
-          <p:cNvPr id="169" name="Google Shape;169;p18"/>
+          <p:cNvPr id="170" name="Google Shape;170;p18"/>
           <p:cNvSpPr txBox="1"/>
           <p:nvPr>
             <p:ph type="title"/>
@@ -12364,7 +12413,7 @@
       </p:sp>
       <p:sp>
         <p:nvSpPr>
-          <p:cNvPr id="170" name="Google Shape;170;p18"/>
+          <p:cNvPr id="171" name="Google Shape;171;p18"/>
           <p:cNvSpPr txBox="1"/>
           <p:nvPr>
             <p:ph idx="1" type="body"/>
@@ -12635,7 +12684,7 @@
       </p:sp>
       <p:sp>
         <p:nvSpPr>
-          <p:cNvPr id="171" name="Google Shape;171;p18"/>
+          <p:cNvPr id="172" name="Google Shape;172;p18"/>
           <p:cNvSpPr txBox="1"/>
           <p:nvPr>
             <p:ph type="title"/>
@@ -12675,7 +12724,7 @@
       </p:sp>
       <p:sp>
         <p:nvSpPr>
-          <p:cNvPr id="172" name="Google Shape;172;p18"/>
+          <p:cNvPr id="173" name="Google Shape;173;p18"/>
           <p:cNvSpPr txBox="1"/>
           <p:nvPr/>
         </p:nvSpPr>
@@ -12732,7 +12781,7 @@
       </p:sp>
       <p:sp>
         <p:nvSpPr>
-          <p:cNvPr id="173" name="Google Shape;173;p18"/>
+          <p:cNvPr id="174" name="Google Shape;174;p18"/>
           <p:cNvSpPr txBox="1"/>
           <p:nvPr/>
         </p:nvSpPr>
@@ -12791,7 +12840,7 @@
       </p:sp>
       <p:sp>
         <p:nvSpPr>
-          <p:cNvPr id="174" name="Google Shape;174;p18"/>
+          <p:cNvPr id="175" name="Google Shape;175;p18"/>
           <p:cNvSpPr txBox="1"/>
           <p:nvPr>
             <p:ph idx="1" type="body"/>
@@ -13116,7 +13165,7 @@
       </p:sp>
       <p:sp>
         <p:nvSpPr>
-          <p:cNvPr id="175" name="Google Shape;175;p18"/>
+          <p:cNvPr id="176" name="Google Shape;176;p18"/>
           <p:cNvSpPr/>
           <p:nvPr/>
         </p:nvSpPr>
@@ -13179,7 +13228,7 @@
   <p:cSld>
     <p:spTree>
       <p:nvGrpSpPr>
-        <p:cNvPr id="179" name="Shape 179"/>
+        <p:cNvPr id="180" name="Shape 180"/>
         <p:cNvGrpSpPr/>
         <p:nvPr/>
       </p:nvGrpSpPr>
@@ -13193,7 +13242,7 @@
       </p:grpSpPr>
       <p:sp>
         <p:nvSpPr>
-          <p:cNvPr id="180" name="Google Shape;180;p19"/>
+          <p:cNvPr id="181" name="Google Shape;181;p19"/>
           <p:cNvSpPr txBox="1"/>
           <p:nvPr>
             <p:ph type="title"/>
@@ -13233,7 +13282,7 @@
       </p:sp>
       <p:sp>
         <p:nvSpPr>
-          <p:cNvPr id="181" name="Google Shape;181;p19"/>
+          <p:cNvPr id="182" name="Google Shape;182;p19"/>
           <p:cNvSpPr txBox="1"/>
           <p:nvPr>
             <p:ph idx="1" type="body"/>
@@ -13302,7 +13351,7 @@
       </p:sp>
       <p:pic>
         <p:nvPicPr>
-          <p:cNvPr id="182" name="Google Shape;182;p19"/>
+          <p:cNvPr id="183" name="Google Shape;183;p19"/>
           <p:cNvPicPr preferRelativeResize="0"/>
           <p:nvPr/>
         </p:nvPicPr>
@@ -13341,7 +13390,7 @@
   <p:cSld>
     <p:spTree>
       <p:nvGrpSpPr>
-        <p:cNvPr id="186" name="Shape 186"/>
+        <p:cNvPr id="187" name="Shape 187"/>
         <p:cNvGrpSpPr/>
         <p:nvPr/>
       </p:nvGrpSpPr>
@@ -13355,7 +13404,7 @@
       </p:grpSpPr>
       <p:sp>
         <p:nvSpPr>
-          <p:cNvPr id="187" name="Google Shape;187;p20"/>
+          <p:cNvPr id="188" name="Google Shape;188;p20"/>
           <p:cNvSpPr txBox="1"/>
           <p:nvPr>
             <p:ph type="title"/>
@@ -13395,7 +13444,7 @@
       </p:sp>
       <p:pic>
         <p:nvPicPr>
-          <p:cNvPr id="188" name="Google Shape;188;p20"/>
+          <p:cNvPr id="189" name="Google Shape;189;p20"/>
           <p:cNvPicPr preferRelativeResize="0"/>
           <p:nvPr/>
         </p:nvPicPr>
@@ -13434,7 +13483,7 @@
   <p:cSld>
     <p:spTree>
       <p:nvGrpSpPr>
-        <p:cNvPr id="192" name="Shape 192"/>
+        <p:cNvPr id="193" name="Shape 193"/>
         <p:cNvGrpSpPr/>
         <p:nvPr/>
       </p:nvGrpSpPr>
@@ -13448,7 +13497,7 @@
       </p:grpSpPr>
       <p:sp>
         <p:nvSpPr>
-          <p:cNvPr id="193" name="Google Shape;193;p21"/>
+          <p:cNvPr id="194" name="Google Shape;194;p21"/>
           <p:cNvSpPr txBox="1"/>
           <p:nvPr>
             <p:ph type="title"/>
@@ -13504,7 +13553,7 @@
       </p:sp>
       <p:sp>
         <p:nvSpPr>
-          <p:cNvPr id="194" name="Google Shape;194;p21"/>
+          <p:cNvPr id="195" name="Google Shape;195;p21"/>
           <p:cNvSpPr txBox="1"/>
           <p:nvPr>
             <p:ph idx="1" type="body"/>
@@ -13730,7 +13779,7 @@
       </p:sp>
       <p:pic>
         <p:nvPicPr>
-          <p:cNvPr id="195" name="Google Shape;195;p21"/>
+          <p:cNvPr id="196" name="Google Shape;196;p21"/>
           <p:cNvPicPr preferRelativeResize="0"/>
           <p:nvPr/>
         </p:nvPicPr>
@@ -13758,7 +13807,7 @@
       </p:pic>
       <p:sp>
         <p:nvSpPr>
-          <p:cNvPr id="196" name="Google Shape;196;p21"/>
+          <p:cNvPr id="197" name="Google Shape;197;p21"/>
           <p:cNvSpPr txBox="1"/>
           <p:nvPr/>
         </p:nvSpPr>
@@ -13833,6 +13882,285 @@
 </file>
 
 <file path=ppt/theme/theme1.xml><?xml version="1.0" encoding="utf-8"?>
+<a:theme xmlns:a="http://schemas.openxmlformats.org/drawingml/2006/main" xmlns:r="http://schemas.openxmlformats.org/officeDocument/2006/relationships">
+  <a:themeElements>
+    <a:clrScheme name="Default">
+      <a:dk1>
+        <a:srgbClr val="000000"/>
+      </a:dk1>
+      <a:lt1>
+        <a:srgbClr val="FFFFFF"/>
+      </a:lt1>
+      <a:dk2>
+        <a:srgbClr val="158158"/>
+      </a:dk2>
+      <a:lt2>
+        <a:srgbClr val="F3F3F3"/>
+      </a:lt2>
+      <a:accent1>
+        <a:srgbClr val="058DC7"/>
+      </a:accent1>
+      <a:accent2>
+        <a:srgbClr val="50B432"/>
+      </a:accent2>
+      <a:accent3>
+        <a:srgbClr val="ED561B"/>
+      </a:accent3>
+      <a:accent4>
+        <a:srgbClr val="EDEF00"/>
+      </a:accent4>
+      <a:accent5>
+        <a:srgbClr val="24CBE5"/>
+      </a:accent5>
+      <a:accent6>
+        <a:srgbClr val="64E572"/>
+      </a:accent6>
+      <a:hlink>
+        <a:srgbClr val="2200CC"/>
+      </a:hlink>
+      <a:folHlink>
+        <a:srgbClr val="551A8B"/>
+      </a:folHlink>
+    </a:clrScheme>
+    <a:fontScheme name="Office">
+      <a:majorFont>
+        <a:latin typeface="Arial"/>
+        <a:ea typeface=""/>
+        <a:cs typeface=""/>
+        <a:font script="Jpan" typeface="ＭＳ Ｐゴシック"/>
+        <a:font script="Hang" typeface="맑은 고딕"/>
+        <a:font script="Hans" typeface="宋体"/>
+        <a:font script="Hant" typeface="新細明體"/>
+        <a:font script="Arab" typeface="Times New Roman"/>
+        <a:font script="Hebr" typeface="Times New Roman"/>
+        <a:font script="Thai" typeface="Angsana New"/>
+        <a:font script="Ethi" typeface="Nyala"/>
+        <a:font script="Beng" typeface="Vrinda"/>
+        <a:font script="Gujr" typeface="Shruti"/>
+        <a:font script="Khmr" typeface="MoolBoran"/>
+        <a:font script="Knda" typeface="Tunga"/>
+        <a:font script="Guru" typeface="Raavi"/>
+        <a:font script="Cans" typeface="Euphemia"/>
+        <a:font script="Cher" typeface="Plantagenet Cherokee"/>
+        <a:font script="Yiii" typeface="Microsoft Yi Baiti"/>
+        <a:font script="Tibt" typeface="Microsoft Himalaya"/>
+        <a:font script="Thaa" typeface="MV Boli"/>
+        <a:font script="Deva" typeface="Mangal"/>
+        <a:font script="Telu" typeface="Gautami"/>
+        <a:font script="Taml" typeface="Latha"/>
+        <a:font script="Syrc" typeface="Estrangelo Edessa"/>
+        <a:font script="Orya" typeface="Kalinga"/>
+        <a:font script="Mlym" typeface="Kartika"/>
+        <a:font script="Laoo" typeface="DokChampa"/>
+        <a:font script="Sinh" typeface="Iskoola Pota"/>
+        <a:font script="Mong" typeface="Mongolian Baiti"/>
+        <a:font script="Viet" typeface="Times New Roman"/>
+        <a:font script="Uigh" typeface="Microsoft Uighur"/>
+        <a:font script="Geor" typeface="Sylfaen"/>
+      </a:majorFont>
+      <a:minorFont>
+        <a:latin typeface="Arial"/>
+        <a:ea typeface=""/>
+        <a:cs typeface=""/>
+        <a:font script="Jpan" typeface="ＭＳ Ｐゴシック"/>
+        <a:font script="Hang" typeface="맑은 고딕"/>
+        <a:font script="Hans" typeface="宋体"/>
+        <a:font script="Hant" typeface="新細明體"/>
+        <a:font script="Arab" typeface="Arial"/>
+        <a:font script="Hebr" typeface="Arial"/>
+        <a:font script="Thai" typeface="Cordia New"/>
+        <a:font script="Ethi" typeface="Nyala"/>
+        <a:font script="Beng" typeface="Vrinda"/>
+        <a:font script="Gujr" typeface="Shruti"/>
+        <a:font script="Khmr" typeface="DaunPenh"/>
+        <a:font script="Knda" typeface="Tunga"/>
+        <a:font script="Guru" typeface="Raavi"/>
+        <a:font script="Cans" typeface="Euphemia"/>
+        <a:font script="Cher" typeface="Plantagenet Cherokee"/>
+        <a:font script="Yiii" typeface="Microsoft Yi Baiti"/>
+        <a:font script="Tibt" typeface="Microsoft Himalaya"/>
+        <a:font script="Thaa" typeface="MV Boli"/>
+        <a:font script="Deva" typeface="Mangal"/>
+        <a:font script="Telu" typeface="Gautami"/>
+        <a:font script="Taml" typeface="Latha"/>
+        <a:font script="Syrc" typeface="Estrangelo Edessa"/>
+        <a:font script="Orya" typeface="Kalinga"/>
+        <a:font script="Mlym" typeface="Kartika"/>
+        <a:font script="Laoo" typeface="DokChampa"/>
+        <a:font script="Sinh" typeface="Iskoola Pota"/>
+        <a:font script="Mong" typeface="Mongolian Baiti"/>
+        <a:font script="Viet" typeface="Arial"/>
+        <a:font script="Uigh" typeface="Microsoft Uighur"/>
+        <a:font script="Geor" typeface="Sylfaen"/>
+      </a:minorFont>
+    </a:fontScheme>
+    <a:fmtScheme name="Office">
+      <a:fillStyleLst>
+        <a:solidFill>
+          <a:schemeClr val="phClr"/>
+        </a:solidFill>
+        <a:gradFill rotWithShape="1">
+          <a:gsLst>
+            <a:gs pos="0">
+              <a:schemeClr val="phClr">
+                <a:tint val="50000"/>
+                <a:satMod val="300000"/>
+              </a:schemeClr>
+            </a:gs>
+            <a:gs pos="35000">
+              <a:schemeClr val="phClr">
+                <a:tint val="37000"/>
+                <a:satMod val="300000"/>
+              </a:schemeClr>
+            </a:gs>
+            <a:gs pos="100000">
+              <a:schemeClr val="phClr">
+                <a:tint val="15000"/>
+                <a:satMod val="350000"/>
+              </a:schemeClr>
+            </a:gs>
+          </a:gsLst>
+          <a:lin ang="16200000" scaled="1"/>
+        </a:gradFill>
+        <a:gradFill rotWithShape="1">
+          <a:gsLst>
+            <a:gs pos="0">
+              <a:schemeClr val="phClr">
+                <a:tint val="100000"/>
+                <a:shade val="100000"/>
+                <a:satMod val="130000"/>
+              </a:schemeClr>
+            </a:gs>
+            <a:gs pos="100000">
+              <a:schemeClr val="phClr">
+                <a:tint val="50000"/>
+                <a:shade val="100000"/>
+                <a:satMod val="350000"/>
+              </a:schemeClr>
+            </a:gs>
+          </a:gsLst>
+          <a:lin ang="16200000" scaled="0"/>
+        </a:gradFill>
+      </a:fillStyleLst>
+      <a:lnStyleLst>
+        <a:ln w="9525" cap="flat" cmpd="sng" algn="ctr">
+          <a:solidFill>
+            <a:schemeClr val="phClr">
+              <a:shade val="95000"/>
+              <a:satMod val="105000"/>
+            </a:schemeClr>
+          </a:solidFill>
+          <a:prstDash val="solid"/>
+        </a:ln>
+        <a:ln w="25400" cap="flat" cmpd="sng" algn="ctr">
+          <a:solidFill>
+            <a:schemeClr val="phClr"/>
+          </a:solidFill>
+          <a:prstDash val="solid"/>
+        </a:ln>
+        <a:ln w="38100" cap="flat" cmpd="sng" algn="ctr">
+          <a:solidFill>
+            <a:schemeClr val="phClr"/>
+          </a:solidFill>
+          <a:prstDash val="solid"/>
+        </a:ln>
+      </a:lnStyleLst>
+      <a:effectStyleLst>
+        <a:effectStyle>
+          <a:effectLst>
+            <a:outerShdw blurRad="40000" dist="20000" dir="5400000" rotWithShape="0">
+              <a:srgbClr val="000000">
+                <a:alpha val="38000"/>
+              </a:srgbClr>
+            </a:outerShdw>
+          </a:effectLst>
+        </a:effectStyle>
+        <a:effectStyle>
+          <a:effectLst>
+            <a:outerShdw blurRad="40000" dist="23000" dir="5400000" rotWithShape="0">
+              <a:srgbClr val="000000">
+                <a:alpha val="35000"/>
+              </a:srgbClr>
+            </a:outerShdw>
+          </a:effectLst>
+        </a:effectStyle>
+        <a:effectStyle>
+          <a:effectLst>
+            <a:outerShdw blurRad="40000" dist="23000" dir="5400000" rotWithShape="0">
+              <a:srgbClr val="000000">
+                <a:alpha val="35000"/>
+              </a:srgbClr>
+            </a:outerShdw>
+          </a:effectLst>
+          <a:scene3d>
+            <a:camera prst="orthographicFront">
+              <a:rot lat="0" lon="0" rev="0"/>
+            </a:camera>
+            <a:lightRig rig="threePt" dir="t">
+              <a:rot lat="0" lon="0" rev="1200000"/>
+            </a:lightRig>
+          </a:scene3d>
+          <a:sp3d>
+            <a:bevelT w="63500" h="25400"/>
+          </a:sp3d>
+        </a:effectStyle>
+      </a:effectStyleLst>
+      <a:bgFillStyleLst>
+        <a:solidFill>
+          <a:schemeClr val="phClr"/>
+        </a:solidFill>
+        <a:gradFill rotWithShape="1">
+          <a:gsLst>
+            <a:gs pos="0">
+              <a:schemeClr val="phClr">
+                <a:tint val="40000"/>
+                <a:satMod val="350000"/>
+              </a:schemeClr>
+            </a:gs>
+            <a:gs pos="40000">
+              <a:schemeClr val="phClr">
+                <a:tint val="45000"/>
+                <a:shade val="99000"/>
+                <a:satMod val="350000"/>
+              </a:schemeClr>
+            </a:gs>
+            <a:gs pos="100000">
+              <a:schemeClr val="phClr">
+                <a:shade val="20000"/>
+                <a:satMod val="255000"/>
+              </a:schemeClr>
+            </a:gs>
+          </a:gsLst>
+          <a:path path="circle">
+            <a:fillToRect l="50000" t="-80000" r="50000" b="180000"/>
+          </a:path>
+        </a:gradFill>
+        <a:gradFill rotWithShape="1">
+          <a:gsLst>
+            <a:gs pos="0">
+              <a:schemeClr val="phClr">
+                <a:tint val="80000"/>
+                <a:satMod val="300000"/>
+              </a:schemeClr>
+            </a:gs>
+            <a:gs pos="100000">
+              <a:schemeClr val="phClr">
+                <a:shade val="30000"/>
+                <a:satMod val="200000"/>
+              </a:schemeClr>
+            </a:gs>
+          </a:gsLst>
+          <a:path path="circle">
+            <a:fillToRect l="50000" t="50000" r="50000" b="50000"/>
+          </a:path>
+        </a:gradFill>
+      </a:bgFillStyleLst>
+    </a:fmtScheme>
+  </a:themeElements>
+</a:theme>
+</file>
+
+<file path=ppt/theme/theme2.xml><?xml version="1.0" encoding="utf-8"?>
 <a:theme xmlns:a="http://schemas.openxmlformats.org/drawingml/2006/main" xmlns:r="http://schemas.openxmlformats.org/officeDocument/2006/relationships" name="Shift">
   <a:themeElements>
     <a:clrScheme name="Shift">
@@ -14109,283 +14437,4 @@
     </a:fmtScheme>
   </a:themeElements>
 </a:theme>
-</file>
-
-<file path=ppt/theme/theme2.xml><?xml version="1.0" encoding="utf-8"?>
-<a:theme xmlns:a="http://schemas.openxmlformats.org/drawingml/2006/main" xmlns:r="http://schemas.openxmlformats.org/officeDocument/2006/relationships">
-  <a:themeElements>
-    <a:clrScheme name="Default">
-      <a:dk1>
-        <a:srgbClr val="000000"/>
-      </a:dk1>
-      <a:lt1>
-        <a:srgbClr val="FFFFFF"/>
-      </a:lt1>
-      <a:dk2>
-        <a:srgbClr val="158158"/>
-      </a:dk2>
-      <a:lt2>
-        <a:srgbClr val="F3F3F3"/>
-      </a:lt2>
-      <a:accent1>
-        <a:srgbClr val="058DC7"/>
-      </a:accent1>
-      <a:accent2>
-        <a:srgbClr val="50B432"/>
-      </a:accent2>
-      <a:accent3>
-        <a:srgbClr val="ED561B"/>
-      </a:accent3>
-      <a:accent4>
-        <a:srgbClr val="EDEF00"/>
-      </a:accent4>
-      <a:accent5>
-        <a:srgbClr val="24CBE5"/>
-      </a:accent5>
-      <a:accent6>
-        <a:srgbClr val="64E572"/>
-      </a:accent6>
-      <a:hlink>
-        <a:srgbClr val="2200CC"/>
-      </a:hlink>
-      <a:folHlink>
-        <a:srgbClr val="551A8B"/>
-      </a:folHlink>
-    </a:clrScheme>
-    <a:fontScheme name="Office">
-      <a:majorFont>
-        <a:latin typeface="Arial"/>
-        <a:ea typeface=""/>
-        <a:cs typeface=""/>
-        <a:font script="Jpan" typeface="ＭＳ Ｐゴシック"/>
-        <a:font script="Hang" typeface="맑은 고딕"/>
-        <a:font script="Hans" typeface="宋体"/>
-        <a:font script="Hant" typeface="新細明體"/>
-        <a:font script="Arab" typeface="Times New Roman"/>
-        <a:font script="Hebr" typeface="Times New Roman"/>
-        <a:font script="Thai" typeface="Angsana New"/>
-        <a:font script="Ethi" typeface="Nyala"/>
-        <a:font script="Beng" typeface="Vrinda"/>
-        <a:font script="Gujr" typeface="Shruti"/>
-        <a:font script="Khmr" typeface="MoolBoran"/>
-        <a:font script="Knda" typeface="Tunga"/>
-        <a:font script="Guru" typeface="Raavi"/>
-        <a:font script="Cans" typeface="Euphemia"/>
-        <a:font script="Cher" typeface="Plantagenet Cherokee"/>
-        <a:font script="Yiii" typeface="Microsoft Yi Baiti"/>
-        <a:font script="Tibt" typeface="Microsoft Himalaya"/>
-        <a:font script="Thaa" typeface="MV Boli"/>
-        <a:font script="Deva" typeface="Mangal"/>
-        <a:font script="Telu" typeface="Gautami"/>
-        <a:font script="Taml" typeface="Latha"/>
-        <a:font script="Syrc" typeface="Estrangelo Edessa"/>
-        <a:font script="Orya" typeface="Kalinga"/>
-        <a:font script="Mlym" typeface="Kartika"/>
-        <a:font script="Laoo" typeface="DokChampa"/>
-        <a:font script="Sinh" typeface="Iskoola Pota"/>
-        <a:font script="Mong" typeface="Mongolian Baiti"/>
-        <a:font script="Viet" typeface="Times New Roman"/>
-        <a:font script="Uigh" typeface="Microsoft Uighur"/>
-        <a:font script="Geor" typeface="Sylfaen"/>
-      </a:majorFont>
-      <a:minorFont>
-        <a:latin typeface="Arial"/>
-        <a:ea typeface=""/>
-        <a:cs typeface=""/>
-        <a:font script="Jpan" typeface="ＭＳ Ｐゴシック"/>
-        <a:font script="Hang" typeface="맑은 고딕"/>
-        <a:font script="Hans" typeface="宋体"/>
-        <a:font script="Hant" typeface="新細明體"/>
-        <a:font script="Arab" typeface="Arial"/>
-        <a:font script="Hebr" typeface="Arial"/>
-        <a:font script="Thai" typeface="Cordia New"/>
-        <a:font script="Ethi" typeface="Nyala"/>
-        <a:font script="Beng" typeface="Vrinda"/>
-        <a:font script="Gujr" typeface="Shruti"/>
-        <a:font script="Khmr" typeface="DaunPenh"/>
-        <a:font script="Knda" typeface="Tunga"/>
-        <a:font script="Guru" typeface="Raavi"/>
-        <a:font script="Cans" typeface="Euphemia"/>
-        <a:font script="Cher" typeface="Plantagenet Cherokee"/>
-        <a:font script="Yiii" typeface="Microsoft Yi Baiti"/>
-        <a:font script="Tibt" typeface="Microsoft Himalaya"/>
-        <a:font script="Thaa" typeface="MV Boli"/>
-        <a:font script="Deva" typeface="Mangal"/>
-        <a:font script="Telu" typeface="Gautami"/>
-        <a:font script="Taml" typeface="Latha"/>
-        <a:font script="Syrc" typeface="Estrangelo Edessa"/>
-        <a:font script="Orya" typeface="Kalinga"/>
-        <a:font script="Mlym" typeface="Kartika"/>
-        <a:font script="Laoo" typeface="DokChampa"/>
-        <a:font script="Sinh" typeface="Iskoola Pota"/>
-        <a:font script="Mong" typeface="Mongolian Baiti"/>
-        <a:font script="Viet" typeface="Arial"/>
-        <a:font script="Uigh" typeface="Microsoft Uighur"/>
-        <a:font script="Geor" typeface="Sylfaen"/>
-      </a:minorFont>
-    </a:fontScheme>
-    <a:fmtScheme name="Office">
-      <a:fillStyleLst>
-        <a:solidFill>
-          <a:schemeClr val="phClr"/>
-        </a:solidFill>
-        <a:gradFill rotWithShape="1">
-          <a:gsLst>
-            <a:gs pos="0">
-              <a:schemeClr val="phClr">
-                <a:tint val="50000"/>
-                <a:satMod val="300000"/>
-              </a:schemeClr>
-            </a:gs>
-            <a:gs pos="35000">
-              <a:schemeClr val="phClr">
-                <a:tint val="37000"/>
-                <a:satMod val="300000"/>
-              </a:schemeClr>
-            </a:gs>
-            <a:gs pos="100000">
-              <a:schemeClr val="phClr">
-                <a:tint val="15000"/>
-                <a:satMod val="350000"/>
-              </a:schemeClr>
-            </a:gs>
-          </a:gsLst>
-          <a:lin ang="16200000" scaled="1"/>
-        </a:gradFill>
-        <a:gradFill rotWithShape="1">
-          <a:gsLst>
-            <a:gs pos="0">
-              <a:schemeClr val="phClr">
-                <a:tint val="100000"/>
-                <a:shade val="100000"/>
-                <a:satMod val="130000"/>
-              </a:schemeClr>
-            </a:gs>
-            <a:gs pos="100000">
-              <a:schemeClr val="phClr">
-                <a:tint val="50000"/>
-                <a:shade val="100000"/>
-                <a:satMod val="350000"/>
-              </a:schemeClr>
-            </a:gs>
-          </a:gsLst>
-          <a:lin ang="16200000" scaled="0"/>
-        </a:gradFill>
-      </a:fillStyleLst>
-      <a:lnStyleLst>
-        <a:ln w="9525" cap="flat" cmpd="sng" algn="ctr">
-          <a:solidFill>
-            <a:schemeClr val="phClr">
-              <a:shade val="95000"/>
-              <a:satMod val="105000"/>
-            </a:schemeClr>
-          </a:solidFill>
-          <a:prstDash val="solid"/>
-        </a:ln>
-        <a:ln w="25400" cap="flat" cmpd="sng" algn="ctr">
-          <a:solidFill>
-            <a:schemeClr val="phClr"/>
-          </a:solidFill>
-          <a:prstDash val="solid"/>
-        </a:ln>
-        <a:ln w="38100" cap="flat" cmpd="sng" algn="ctr">
-          <a:solidFill>
-            <a:schemeClr val="phClr"/>
-          </a:solidFill>
-          <a:prstDash val="solid"/>
-        </a:ln>
-      </a:lnStyleLst>
-      <a:effectStyleLst>
-        <a:effectStyle>
-          <a:effectLst>
-            <a:outerShdw blurRad="40000" dist="20000" dir="5400000" rotWithShape="0">
-              <a:srgbClr val="000000">
-                <a:alpha val="38000"/>
-              </a:srgbClr>
-            </a:outerShdw>
-          </a:effectLst>
-        </a:effectStyle>
-        <a:effectStyle>
-          <a:effectLst>
-            <a:outerShdw blurRad="40000" dist="23000" dir="5400000" rotWithShape="0">
-              <a:srgbClr val="000000">
-                <a:alpha val="35000"/>
-              </a:srgbClr>
-            </a:outerShdw>
-          </a:effectLst>
-        </a:effectStyle>
-        <a:effectStyle>
-          <a:effectLst>
-            <a:outerShdw blurRad="40000" dist="23000" dir="5400000" rotWithShape="0">
-              <a:srgbClr val="000000">
-                <a:alpha val="35000"/>
-              </a:srgbClr>
-            </a:outerShdw>
-          </a:effectLst>
-          <a:scene3d>
-            <a:camera prst="orthographicFront">
-              <a:rot lat="0" lon="0" rev="0"/>
-            </a:camera>
-            <a:lightRig rig="threePt" dir="t">
-              <a:rot lat="0" lon="0" rev="1200000"/>
-            </a:lightRig>
-          </a:scene3d>
-          <a:sp3d>
-            <a:bevelT w="63500" h="25400"/>
-          </a:sp3d>
-        </a:effectStyle>
-      </a:effectStyleLst>
-      <a:bgFillStyleLst>
-        <a:solidFill>
-          <a:schemeClr val="phClr"/>
-        </a:solidFill>
-        <a:gradFill rotWithShape="1">
-          <a:gsLst>
-            <a:gs pos="0">
-              <a:schemeClr val="phClr">
-                <a:tint val="40000"/>
-                <a:satMod val="350000"/>
-              </a:schemeClr>
-            </a:gs>
-            <a:gs pos="40000">
-              <a:schemeClr val="phClr">
-                <a:tint val="45000"/>
-                <a:shade val="99000"/>
-                <a:satMod val="350000"/>
-              </a:schemeClr>
-            </a:gs>
-            <a:gs pos="100000">
-              <a:schemeClr val="phClr">
-                <a:shade val="20000"/>
-                <a:satMod val="255000"/>
-              </a:schemeClr>
-            </a:gs>
-          </a:gsLst>
-          <a:path path="circle">
-            <a:fillToRect l="50000" t="-80000" r="50000" b="180000"/>
-          </a:path>
-        </a:gradFill>
-        <a:gradFill rotWithShape="1">
-          <a:gsLst>
-            <a:gs pos="0">
-              <a:schemeClr val="phClr">
-                <a:tint val="80000"/>
-                <a:satMod val="300000"/>
-              </a:schemeClr>
-            </a:gs>
-            <a:gs pos="100000">
-              <a:schemeClr val="phClr">
-                <a:shade val="30000"/>
-                <a:satMod val="200000"/>
-              </a:schemeClr>
-            </a:gs>
-          </a:gsLst>
-          <a:path path="circle">
-            <a:fillToRect l="50000" t="50000" r="50000" b="50000"/>
-          </a:path>
-        </a:gradFill>
-      </a:bgFillStyleLst>
-    </a:fmtScheme>
-  </a:themeElements>
-</a:theme>
 </file>